--- a/카카오페이 사전과제 PPT.pptx
+++ b/카카오페이 사전과제 PPT.pptx
@@ -112,6 +112,11 @@
       </a:defRPr>
     </a:lvl9pPr>
   </p:defaultTextStyle>
+  <p:extLst>
+    <p:ext uri="{EFAFB233-063F-42B5-8137-9DF3F51BA10A}">
+      <p15:sldGuideLst xmlns:p15="http://schemas.microsoft.com/office/powerpoint/2012/main"/>
+    </p:ext>
+  </p:extLst>
 </p:presentation>
 </file>
 
@@ -2529,16 +2534,6 @@
               </c:extLst>
             </c:dLbl>
             <c:dLbl>
-              <c:idx val="1"/>
-              <c:delete val="1"/>
-              <c:extLst>
-                <c:ext xmlns:c15="http://schemas.microsoft.com/office/drawing/2012/chart" uri="{CE6537A1-D6FC-4f65-9D91-7224C49458BB}"/>
-                <c:ext xmlns:c16="http://schemas.microsoft.com/office/drawing/2014/chart" uri="{C3380CC4-5D6E-409C-BE32-E72D297353CC}">
-                  <c16:uniqueId val="{00000005-66FE-4F5C-A862-4E84254F24E9}"/>
-                </c:ext>
-              </c:extLst>
-            </c:dLbl>
-            <c:dLbl>
               <c:idx val="2"/>
               <c:layout>
                 <c:manualLayout>
@@ -2557,16 +2552,6 @@
                 <c:ext xmlns:c15="http://schemas.microsoft.com/office/drawing/2012/chart" uri="{CE6537A1-D6FC-4f65-9D91-7224C49458BB}"/>
                 <c:ext xmlns:c16="http://schemas.microsoft.com/office/drawing/2014/chart" uri="{C3380CC4-5D6E-409C-BE32-E72D297353CC}">
                   <c16:uniqueId val="{00000006-66FE-4F5C-A862-4E84254F24E9}"/>
-                </c:ext>
-              </c:extLst>
-            </c:dLbl>
-            <c:dLbl>
-              <c:idx val="3"/>
-              <c:delete val="1"/>
-              <c:extLst>
-                <c:ext xmlns:c15="http://schemas.microsoft.com/office/drawing/2012/chart" uri="{CE6537A1-D6FC-4f65-9D91-7224C49458BB}"/>
-                <c:ext xmlns:c16="http://schemas.microsoft.com/office/drawing/2014/chart" uri="{C3380CC4-5D6E-409C-BE32-E72D297353CC}">
-                  <c16:uniqueId val="{00000007-66FE-4F5C-A862-4E84254F24E9}"/>
                 </c:ext>
               </c:extLst>
             </c:dLbl>
@@ -5988,7 +5973,7 @@
           <a:p>
             <a:fld id="{A489EC07-F070-41C1-A2A8-768A93B4BF3C}" type="datetimeFigureOut">
               <a:rPr lang="ko-KR" altLang="en-US" smtClean="0"/>
-              <a:t>2022-01-14</a:t>
+              <a:t>2022-01-15</a:t>
             </a:fld>
             <a:endParaRPr lang="ko-KR" altLang="en-US"/>
           </a:p>
@@ -6158,7 +6143,7 @@
           <a:p>
             <a:fld id="{A489EC07-F070-41C1-A2A8-768A93B4BF3C}" type="datetimeFigureOut">
               <a:rPr lang="ko-KR" altLang="en-US" smtClean="0"/>
-              <a:t>2022-01-14</a:t>
+              <a:t>2022-01-15</a:t>
             </a:fld>
             <a:endParaRPr lang="ko-KR" altLang="en-US"/>
           </a:p>
@@ -6338,7 +6323,7 @@
           <a:p>
             <a:fld id="{A489EC07-F070-41C1-A2A8-768A93B4BF3C}" type="datetimeFigureOut">
               <a:rPr lang="ko-KR" altLang="en-US" smtClean="0"/>
-              <a:t>2022-01-14</a:t>
+              <a:t>2022-01-15</a:t>
             </a:fld>
             <a:endParaRPr lang="ko-KR" altLang="en-US"/>
           </a:p>
@@ -6508,7 +6493,7 @@
           <a:p>
             <a:fld id="{A489EC07-F070-41C1-A2A8-768A93B4BF3C}" type="datetimeFigureOut">
               <a:rPr lang="ko-KR" altLang="en-US" smtClean="0"/>
-              <a:t>2022-01-14</a:t>
+              <a:t>2022-01-15</a:t>
             </a:fld>
             <a:endParaRPr lang="ko-KR" altLang="en-US"/>
           </a:p>
@@ -6754,7 +6739,7 @@
           <a:p>
             <a:fld id="{A489EC07-F070-41C1-A2A8-768A93B4BF3C}" type="datetimeFigureOut">
               <a:rPr lang="ko-KR" altLang="en-US" smtClean="0"/>
-              <a:t>2022-01-14</a:t>
+              <a:t>2022-01-15</a:t>
             </a:fld>
             <a:endParaRPr lang="ko-KR" altLang="en-US"/>
           </a:p>
@@ -6986,7 +6971,7 @@
           <a:p>
             <a:fld id="{A489EC07-F070-41C1-A2A8-768A93B4BF3C}" type="datetimeFigureOut">
               <a:rPr lang="ko-KR" altLang="en-US" smtClean="0"/>
-              <a:t>2022-01-14</a:t>
+              <a:t>2022-01-15</a:t>
             </a:fld>
             <a:endParaRPr lang="ko-KR" altLang="en-US"/>
           </a:p>
@@ -7353,7 +7338,7 @@
           <a:p>
             <a:fld id="{A489EC07-F070-41C1-A2A8-768A93B4BF3C}" type="datetimeFigureOut">
               <a:rPr lang="ko-KR" altLang="en-US" smtClean="0"/>
-              <a:t>2022-01-14</a:t>
+              <a:t>2022-01-15</a:t>
             </a:fld>
             <a:endParaRPr lang="ko-KR" altLang="en-US"/>
           </a:p>
@@ -7471,7 +7456,7 @@
           <a:p>
             <a:fld id="{A489EC07-F070-41C1-A2A8-768A93B4BF3C}" type="datetimeFigureOut">
               <a:rPr lang="ko-KR" altLang="en-US" smtClean="0"/>
-              <a:t>2022-01-14</a:t>
+              <a:t>2022-01-15</a:t>
             </a:fld>
             <a:endParaRPr lang="ko-KR" altLang="en-US"/>
           </a:p>
@@ -7566,7 +7551,7 @@
           <a:p>
             <a:fld id="{A489EC07-F070-41C1-A2A8-768A93B4BF3C}" type="datetimeFigureOut">
               <a:rPr lang="ko-KR" altLang="en-US" smtClean="0"/>
-              <a:t>2022-01-14</a:t>
+              <a:t>2022-01-15</a:t>
             </a:fld>
             <a:endParaRPr lang="ko-KR" altLang="en-US"/>
           </a:p>
@@ -7843,7 +7828,7 @@
           <a:p>
             <a:fld id="{A489EC07-F070-41C1-A2A8-768A93B4BF3C}" type="datetimeFigureOut">
               <a:rPr lang="ko-KR" altLang="en-US" smtClean="0"/>
-              <a:t>2022-01-14</a:t>
+              <a:t>2022-01-15</a:t>
             </a:fld>
             <a:endParaRPr lang="ko-KR" altLang="en-US"/>
           </a:p>
@@ -8100,7 +8085,7 @@
           <a:p>
             <a:fld id="{A489EC07-F070-41C1-A2A8-768A93B4BF3C}" type="datetimeFigureOut">
               <a:rPr lang="ko-KR" altLang="en-US" smtClean="0"/>
-              <a:t>2022-01-14</a:t>
+              <a:t>2022-01-15</a:t>
             </a:fld>
             <a:endParaRPr lang="ko-KR" altLang="en-US"/>
           </a:p>
@@ -8313,7 +8298,7 @@
           <a:p>
             <a:fld id="{A489EC07-F070-41C1-A2A8-768A93B4BF3C}" type="datetimeFigureOut">
               <a:rPr lang="ko-KR" altLang="en-US" smtClean="0"/>
-              <a:t>2022-01-14</a:t>
+              <a:t>2022-01-15</a:t>
             </a:fld>
             <a:endParaRPr lang="ko-KR" altLang="en-US"/>
           </a:p>
@@ -8913,7 +8898,7 @@
           <a:graphicData uri="http://schemas.openxmlformats.org/presentationml/2006/ole">
             <mc:AlternateContent xmlns:mc="http://schemas.openxmlformats.org/markup-compatibility/2006">
               <mc:Choice xmlns:v="urn:schemas-microsoft-com:vml" Requires="v">
-                <p:oleObj spid="_x0000_s2053" name="비트맵 이미지" r:id="rId3" imgW="942840" imgH="390600" progId="Paint.Picture">
+                <p:oleObj spid="_x0000_s2054" name="비트맵 이미지" r:id="rId3" imgW="942840" imgH="390600" progId="Paint.Picture">
                   <p:embed/>
                 </p:oleObj>
               </mc:Choice>
@@ -18691,7 +18676,7 @@
           <a:p>
             <a:r>
               <a:rPr lang="ko-KR" altLang="en-US" dirty="0"/>
-              <a:t>■ 더치페이 사용 건 수에 추가 분석</a:t>
+              <a:t>■ 더치페이 이용자 분석</a:t>
             </a:r>
             <a:endParaRPr lang="en-US" altLang="ko-KR" dirty="0"/>
           </a:p>
